--- a/Decorator/decorator.pptx
+++ b/Decorator/decorator.pptx
@@ -2,7 +2,7 @@
 <file path=ppt/presentation.xml><?xml version="1.0" encoding="utf-8"?>
 <p:presentation xmlns:a="http://schemas.openxmlformats.org/drawingml/2006/main" xmlns:r="http://schemas.openxmlformats.org/officeDocument/2006/relationships" xmlns:p="http://schemas.openxmlformats.org/presentationml/2006/main" xmlns:p14="http://schemas.microsoft.com/office/powerpoint/2010/main" saveSubsetFonts="1">
   <p:sldMasterIdLst>
-    <p:sldMasterId id="2147483676" r:id="rId13"/>
+    <p:sldMasterId id="2147483678" r:id="rId13"/>
   </p:sldMasterIdLst>
   <p:notesMasterIdLst>
     <p:notesMasterId r:id="rId17"/>
@@ -7586,7 +7586,21 @@
                 <a:latin typeface="나눔고딕" charset="0"/>
                 <a:ea typeface="나눔고딕" charset="0"/>
               </a:rPr>
-              <a:t>데코레이터는 자신이 감싸고 있는 객체와 같은 수퍼클래스를 가지고 있기 때문에 원래 겍(싸여져 있는 객체)가 들어갈 자리에 데코레이터 객체를 집어넣어도 상관 없다</a:t>
+              <a:t>데코레이터는 자신이 감싸고 있는 객체와 같은 수퍼클래스를 가지고 있기 때문에 원래 </a:t>
+            </a:r>
+            <a:r>
+              <a:rPr sz="1800">
+                <a:latin typeface="나눔고딕" charset="0"/>
+                <a:ea typeface="나눔고딕" charset="0"/>
+              </a:rPr>
+              <a:t>객체(감싸</a:t>
+            </a:r>
+            <a:r>
+              <a:rPr sz="1800">
+                <a:latin typeface="나눔고딕" charset="0"/>
+                <a:ea typeface="나눔고딕" charset="0"/>
+              </a:rPr>
+              <a:t>져 있는 객체)가 들어갈 자리에 데코레이터 객체를 집어넣어도 상관 없다</a:t>
             </a:r>
             <a:endParaRPr lang="ko-KR" altLang="en-US" sz="1800">
               <a:latin typeface="나눔고딕" charset="0"/>
